--- a/presentationENG.pptx
+++ b/presentationENG.pptx
@@ -498,7 +498,7 @@
     </p:spTree>
     <p:extLst>
       <p:ext uri="{BB962C8B-B14F-4D97-AF65-F5344CB8AC3E}">
-        <p14:creationId xmlns:p14="http://schemas.microsoft.com/office/powerpoint/2010/main" val="1538707976"/>
+        <p14:creationId xmlns:p14="http://schemas.microsoft.com/office/powerpoint/2010/main" val="2179958420"/>
       </p:ext>
     </p:extLst>
   </p:cSld>
@@ -834,7 +834,7 @@
     </p:spTree>
     <p:extLst>
       <p:ext uri="{BB962C8B-B14F-4D97-AF65-F5344CB8AC3E}">
-        <p14:creationId xmlns:p14="http://schemas.microsoft.com/office/powerpoint/2010/main" val="3627043514"/>
+        <p14:creationId xmlns:p14="http://schemas.microsoft.com/office/powerpoint/2010/main" val="2448780638"/>
       </p:ext>
     </p:extLst>
   </p:cSld>
@@ -943,7 +943,7 @@
     </p:spTree>
     <p:extLst>
       <p:ext uri="{BB962C8B-B14F-4D97-AF65-F5344CB8AC3E}">
-        <p14:creationId xmlns:p14="http://schemas.microsoft.com/office/powerpoint/2010/main" val="2976648011"/>
+        <p14:creationId xmlns:p14="http://schemas.microsoft.com/office/powerpoint/2010/main" val="729925554"/>
       </p:ext>
     </p:extLst>
   </p:cSld>
@@ -1052,7 +1052,7 @@
     </p:spTree>
     <p:extLst>
       <p:ext uri="{BB962C8B-B14F-4D97-AF65-F5344CB8AC3E}">
-        <p14:creationId xmlns:p14="http://schemas.microsoft.com/office/powerpoint/2010/main" val="3178035916"/>
+        <p14:creationId xmlns:p14="http://schemas.microsoft.com/office/powerpoint/2010/main" val="984683260"/>
       </p:ext>
     </p:extLst>
   </p:cSld>
@@ -1161,7 +1161,7 @@
     </p:spTree>
     <p:extLst>
       <p:ext uri="{BB962C8B-B14F-4D97-AF65-F5344CB8AC3E}">
-        <p14:creationId xmlns:p14="http://schemas.microsoft.com/office/powerpoint/2010/main" val="894869801"/>
+        <p14:creationId xmlns:p14="http://schemas.microsoft.com/office/powerpoint/2010/main" val="602370851"/>
       </p:ext>
     </p:extLst>
   </p:cSld>
@@ -1270,7 +1270,7 @@
     </p:spTree>
     <p:extLst>
       <p:ext uri="{BB962C8B-B14F-4D97-AF65-F5344CB8AC3E}">
-        <p14:creationId xmlns:p14="http://schemas.microsoft.com/office/powerpoint/2010/main" val="3419833677"/>
+        <p14:creationId xmlns:p14="http://schemas.microsoft.com/office/powerpoint/2010/main" val="652944569"/>
       </p:ext>
     </p:extLst>
   </p:cSld>
@@ -1379,7 +1379,7 @@
     </p:spTree>
     <p:extLst>
       <p:ext uri="{BB962C8B-B14F-4D97-AF65-F5344CB8AC3E}">
-        <p14:creationId xmlns:p14="http://schemas.microsoft.com/office/powerpoint/2010/main" val="1397302506"/>
+        <p14:creationId xmlns:p14="http://schemas.microsoft.com/office/powerpoint/2010/main" val="1456349373"/>
       </p:ext>
     </p:extLst>
   </p:cSld>
@@ -1488,7 +1488,7 @@
     </p:spTree>
     <p:extLst>
       <p:ext uri="{BB962C8B-B14F-4D97-AF65-F5344CB8AC3E}">
-        <p14:creationId xmlns:p14="http://schemas.microsoft.com/office/powerpoint/2010/main" val="1385279232"/>
+        <p14:creationId xmlns:p14="http://schemas.microsoft.com/office/powerpoint/2010/main" val="1608556288"/>
       </p:ext>
     </p:extLst>
   </p:cSld>
@@ -1597,7 +1597,7 @@
     </p:spTree>
     <p:extLst>
       <p:ext uri="{BB962C8B-B14F-4D97-AF65-F5344CB8AC3E}">
-        <p14:creationId xmlns:p14="http://schemas.microsoft.com/office/powerpoint/2010/main" val="2099555279"/>
+        <p14:creationId xmlns:p14="http://schemas.microsoft.com/office/powerpoint/2010/main" val="2960645090"/>
       </p:ext>
     </p:extLst>
   </p:cSld>
@@ -1706,7 +1706,7 @@
     </p:spTree>
     <p:extLst>
       <p:ext uri="{BB962C8B-B14F-4D97-AF65-F5344CB8AC3E}">
-        <p14:creationId xmlns:p14="http://schemas.microsoft.com/office/powerpoint/2010/main" val="3739483955"/>
+        <p14:creationId xmlns:p14="http://schemas.microsoft.com/office/powerpoint/2010/main" val="1381851215"/>
       </p:ext>
     </p:extLst>
   </p:cSld>
@@ -1815,7 +1815,7 @@
     </p:spTree>
     <p:extLst>
       <p:ext uri="{BB962C8B-B14F-4D97-AF65-F5344CB8AC3E}">
-        <p14:creationId xmlns:p14="http://schemas.microsoft.com/office/powerpoint/2010/main" val="3432091590"/>
+        <p14:creationId xmlns:p14="http://schemas.microsoft.com/office/powerpoint/2010/main" val="1464237764"/>
       </p:ext>
     </p:extLst>
   </p:cSld>
@@ -1924,7 +1924,7 @@
     </p:spTree>
     <p:extLst>
       <p:ext uri="{BB962C8B-B14F-4D97-AF65-F5344CB8AC3E}">
-        <p14:creationId xmlns:p14="http://schemas.microsoft.com/office/powerpoint/2010/main" val="163131500"/>
+        <p14:creationId xmlns:p14="http://schemas.microsoft.com/office/powerpoint/2010/main" val="3802848011"/>
       </p:ext>
     </p:extLst>
   </p:cSld>
@@ -2033,7 +2033,7 @@
     </p:spTree>
     <p:extLst>
       <p:ext uri="{BB962C8B-B14F-4D97-AF65-F5344CB8AC3E}">
-        <p14:creationId xmlns:p14="http://schemas.microsoft.com/office/powerpoint/2010/main" val="2162878482"/>
+        <p14:creationId xmlns:p14="http://schemas.microsoft.com/office/powerpoint/2010/main" val="3715296513"/>
       </p:ext>
     </p:extLst>
   </p:cSld>
@@ -2142,7 +2142,7 @@
     </p:spTree>
     <p:extLst>
       <p:ext uri="{BB962C8B-B14F-4D97-AF65-F5344CB8AC3E}">
-        <p14:creationId xmlns:p14="http://schemas.microsoft.com/office/powerpoint/2010/main" val="992369395"/>
+        <p14:creationId xmlns:p14="http://schemas.microsoft.com/office/powerpoint/2010/main" val="4072111481"/>
       </p:ext>
     </p:extLst>
   </p:cSld>
@@ -2251,7 +2251,7 @@
     </p:spTree>
     <p:extLst>
       <p:ext uri="{BB962C8B-B14F-4D97-AF65-F5344CB8AC3E}">
-        <p14:creationId xmlns:p14="http://schemas.microsoft.com/office/powerpoint/2010/main" val="2519891151"/>
+        <p14:creationId xmlns:p14="http://schemas.microsoft.com/office/powerpoint/2010/main" val="1635407998"/>
       </p:ext>
     </p:extLst>
   </p:cSld>
@@ -2360,7 +2360,7 @@
     </p:spTree>
     <p:extLst>
       <p:ext uri="{BB962C8B-B14F-4D97-AF65-F5344CB8AC3E}">
-        <p14:creationId xmlns:p14="http://schemas.microsoft.com/office/powerpoint/2010/main" val="2667305170"/>
+        <p14:creationId xmlns:p14="http://schemas.microsoft.com/office/powerpoint/2010/main" val="3303898029"/>
       </p:ext>
     </p:extLst>
   </p:cSld>
@@ -2469,7 +2469,7 @@
     </p:spTree>
     <p:extLst>
       <p:ext uri="{BB962C8B-B14F-4D97-AF65-F5344CB8AC3E}">
-        <p14:creationId xmlns:p14="http://schemas.microsoft.com/office/powerpoint/2010/main" val="1725578639"/>
+        <p14:creationId xmlns:p14="http://schemas.microsoft.com/office/powerpoint/2010/main" val="2503563687"/>
       </p:ext>
     </p:extLst>
   </p:cSld>
@@ -2578,7 +2578,7 @@
     </p:spTree>
     <p:extLst>
       <p:ext uri="{BB962C8B-B14F-4D97-AF65-F5344CB8AC3E}">
-        <p14:creationId xmlns:p14="http://schemas.microsoft.com/office/powerpoint/2010/main" val="1049274635"/>
+        <p14:creationId xmlns:p14="http://schemas.microsoft.com/office/powerpoint/2010/main" val="1931053014"/>
       </p:ext>
     </p:extLst>
   </p:cSld>
@@ -2687,7 +2687,7 @@
     </p:spTree>
     <p:extLst>
       <p:ext uri="{BB962C8B-B14F-4D97-AF65-F5344CB8AC3E}">
-        <p14:creationId xmlns:p14="http://schemas.microsoft.com/office/powerpoint/2010/main" val="2462031164"/>
+        <p14:creationId xmlns:p14="http://schemas.microsoft.com/office/powerpoint/2010/main" val="4254401022"/>
       </p:ext>
     </p:extLst>
   </p:cSld>
@@ -2796,7 +2796,7 @@
     </p:spTree>
     <p:extLst>
       <p:ext uri="{BB962C8B-B14F-4D97-AF65-F5344CB8AC3E}">
-        <p14:creationId xmlns:p14="http://schemas.microsoft.com/office/powerpoint/2010/main" val="3201773192"/>
+        <p14:creationId xmlns:p14="http://schemas.microsoft.com/office/powerpoint/2010/main" val="2891527143"/>
       </p:ext>
     </p:extLst>
   </p:cSld>
@@ -2905,7 +2905,7 @@
     </p:spTree>
     <p:extLst>
       <p:ext uri="{BB962C8B-B14F-4D97-AF65-F5344CB8AC3E}">
-        <p14:creationId xmlns:p14="http://schemas.microsoft.com/office/powerpoint/2010/main" val="912385965"/>
+        <p14:creationId xmlns:p14="http://schemas.microsoft.com/office/powerpoint/2010/main" val="1622265801"/>
       </p:ext>
     </p:extLst>
   </p:cSld>
@@ -3014,7 +3014,7 @@
     </p:spTree>
     <p:extLst>
       <p:ext uri="{BB962C8B-B14F-4D97-AF65-F5344CB8AC3E}">
-        <p14:creationId xmlns:p14="http://schemas.microsoft.com/office/powerpoint/2010/main" val="100404353"/>
+        <p14:creationId xmlns:p14="http://schemas.microsoft.com/office/powerpoint/2010/main" val="2379572938"/>
       </p:ext>
     </p:extLst>
   </p:cSld>
@@ -3123,7 +3123,7 @@
     </p:spTree>
     <p:extLst>
       <p:ext uri="{BB962C8B-B14F-4D97-AF65-F5344CB8AC3E}">
-        <p14:creationId xmlns:p14="http://schemas.microsoft.com/office/powerpoint/2010/main" val="3095766314"/>
+        <p14:creationId xmlns:p14="http://schemas.microsoft.com/office/powerpoint/2010/main" val="2965259772"/>
       </p:ext>
     </p:extLst>
   </p:cSld>
@@ -3232,7 +3232,7 @@
     </p:spTree>
     <p:extLst>
       <p:ext uri="{BB962C8B-B14F-4D97-AF65-F5344CB8AC3E}">
-        <p14:creationId xmlns:p14="http://schemas.microsoft.com/office/powerpoint/2010/main" val="4092930402"/>
+        <p14:creationId xmlns:p14="http://schemas.microsoft.com/office/powerpoint/2010/main" val="1939091018"/>
       </p:ext>
     </p:extLst>
   </p:cSld>
@@ -3341,7 +3341,7 @@
     </p:spTree>
     <p:extLst>
       <p:ext uri="{BB962C8B-B14F-4D97-AF65-F5344CB8AC3E}">
-        <p14:creationId xmlns:p14="http://schemas.microsoft.com/office/powerpoint/2010/main" val="2196474709"/>
+        <p14:creationId xmlns:p14="http://schemas.microsoft.com/office/powerpoint/2010/main" val="3899970049"/>
       </p:ext>
     </p:extLst>
   </p:cSld>
@@ -3450,7 +3450,7 @@
     </p:spTree>
     <p:extLst>
       <p:ext uri="{BB962C8B-B14F-4D97-AF65-F5344CB8AC3E}">
-        <p14:creationId xmlns:p14="http://schemas.microsoft.com/office/powerpoint/2010/main" val="2357414460"/>
+        <p14:creationId xmlns:p14="http://schemas.microsoft.com/office/powerpoint/2010/main" val="1957419195"/>
       </p:ext>
     </p:extLst>
   </p:cSld>
@@ -3559,7 +3559,7 @@
     </p:spTree>
     <p:extLst>
       <p:ext uri="{BB962C8B-B14F-4D97-AF65-F5344CB8AC3E}">
-        <p14:creationId xmlns:p14="http://schemas.microsoft.com/office/powerpoint/2010/main" val="3185396904"/>
+        <p14:creationId xmlns:p14="http://schemas.microsoft.com/office/powerpoint/2010/main" val="327052665"/>
       </p:ext>
     </p:extLst>
   </p:cSld>
@@ -3668,7 +3668,7 @@
     </p:spTree>
     <p:extLst>
       <p:ext uri="{BB962C8B-B14F-4D97-AF65-F5344CB8AC3E}">
-        <p14:creationId xmlns:p14="http://schemas.microsoft.com/office/powerpoint/2010/main" val="3199752488"/>
+        <p14:creationId xmlns:p14="http://schemas.microsoft.com/office/powerpoint/2010/main" val="869585467"/>
       </p:ext>
     </p:extLst>
   </p:cSld>
@@ -3777,7 +3777,7 @@
     </p:spTree>
     <p:extLst>
       <p:ext uri="{BB962C8B-B14F-4D97-AF65-F5344CB8AC3E}">
-        <p14:creationId xmlns:p14="http://schemas.microsoft.com/office/powerpoint/2010/main" val="3237642275"/>
+        <p14:creationId xmlns:p14="http://schemas.microsoft.com/office/powerpoint/2010/main" val="1153859426"/>
       </p:ext>
     </p:extLst>
   </p:cSld>
@@ -24809,6 +24809,9 @@
     <p:sldLayoutId id="2147483657" r:id="rId10"/>
     <p:sldLayoutId id="2147483658" r:id="rId11"/>
   </p:sldLayoutIdLst>
+  <p:transition spd="med">
+    <p:push/>
+  </p:transition>
   <p:hf sldNum="0" hdr="0" ftr="0" dt="0"/>
   <p:txStyles>
     <p:titleStyle>
@@ -26556,6 +26559,9 @@
     <p:sldLayoutId id="2147483668" r:id="rId10"/>
     <p:sldLayoutId id="2147483669" r:id="rId11"/>
   </p:sldLayoutIdLst>
+  <p:transition spd="med">
+    <p:push/>
+  </p:transition>
   <p:hf sldNum="0" hdr="0" ftr="0" dt="0"/>
   <p:txStyles>
     <p:titleStyle>
@@ -28303,6 +28309,9 @@
     <p:sldLayoutId id="2147483679" r:id="rId10"/>
     <p:sldLayoutId id="2147483680" r:id="rId11"/>
   </p:sldLayoutIdLst>
+  <p:transition spd="med">
+    <p:push/>
+  </p:transition>
   <p:hf sldNum="0" hdr="0" ftr="0" dt="0"/>
   <p:txStyles>
     <p:titleStyle>
@@ -29100,6 +29109,13 @@
   <p:clrMapOvr>
     <a:masterClrMapping/>
   </p:clrMapOvr>
+  <p:timing>
+    <p:tnLst>
+      <p:par>
+        <p:cTn id="1" dur="indefinite" restart="never" nodeType="tmRoot"/>
+      </p:par>
+    </p:tnLst>
+  </p:timing>
 </p:sld>
 </file>
 
@@ -30098,7 +30114,7 @@
                             </p:stCondLst>
                             <p:childTnLst>
                               <p:par>
-                                <p:cTn id="5" presetID="1" presetClass="entr" presetSubtype="0" fill="hold" nodeType="clickEffect">
+                                <p:cTn id="5" presetID="23" presetClass="entr" presetSubtype="16" fill="hold" nodeType="clickEffect">
                                   <p:stCondLst>
                                     <p:cond delay="0"/>
                                   </p:stCondLst>
@@ -30121,6 +30137,52 @@
                                         <p:strVal val="visible"/>
                                       </p:to>
                                     </p:set>
+                                    <p:anim calcmode="lin" valueType="num">
+                                      <p:cBhvr additive="base">
+                                        <p:cTn id="7" dur="500"/>
+                                        <p:tgtEl>
+                                          <p:spTgt spid="271"/>
+                                        </p:tgtEl>
+                                        <p:attrNameLst>
+                                          <p:attrName>ppt_w</p:attrName>
+                                        </p:attrNameLst>
+                                      </p:cBhvr>
+                                      <p:tavLst>
+                                        <p:tav tm="0">
+                                          <p:val>
+                                            <p:strVal val="0"/>
+                                          </p:val>
+                                        </p:tav>
+                                        <p:tav tm="100000">
+                                          <p:val>
+                                            <p:strVal val="#ppt_w"/>
+                                          </p:val>
+                                        </p:tav>
+                                      </p:tavLst>
+                                    </p:anim>
+                                    <p:anim calcmode="lin" valueType="num">
+                                      <p:cBhvr additive="base">
+                                        <p:cTn id="8" dur="500"/>
+                                        <p:tgtEl>
+                                          <p:spTgt spid="271"/>
+                                        </p:tgtEl>
+                                        <p:attrNameLst>
+                                          <p:attrName>ppt_h</p:attrName>
+                                        </p:attrNameLst>
+                                      </p:cBhvr>
+                                      <p:tavLst>
+                                        <p:tav tm="0">
+                                          <p:val>
+                                            <p:strVal val="0"/>
+                                          </p:val>
+                                        </p:tav>
+                                        <p:tav tm="100000">
+                                          <p:val>
+                                            <p:strVal val="#ppt_h"/>
+                                          </p:val>
+                                        </p:tav>
+                                      </p:tavLst>
+                                    </p:anim>
                                   </p:childTnLst>
                                 </p:cTn>
                               </p:par>
@@ -30131,26 +30193,26 @@
                     </p:cTn>
                   </p:par>
                   <p:par>
-                    <p:cTn id="7" fill="hold">
+                    <p:cTn id="9" fill="hold">
                       <p:stCondLst>
                         <p:cond delay="indefinite"/>
                       </p:stCondLst>
                       <p:childTnLst>
                         <p:par>
-                          <p:cTn id="8" fill="hold">
+                          <p:cTn id="10" fill="hold">
                             <p:stCondLst>
                               <p:cond delay="0"/>
                             </p:stCondLst>
                             <p:childTnLst>
                               <p:par>
-                                <p:cTn id="9" presetID="1" presetClass="entr" presetSubtype="0" fill="hold" nodeType="clickEffect">
+                                <p:cTn id="11" presetID="23" presetClass="entr" presetSubtype="16" fill="hold" nodeType="clickEffect">
                                   <p:stCondLst>
                                     <p:cond delay="0"/>
                                   </p:stCondLst>
                                   <p:childTnLst>
                                     <p:set>
                                       <p:cBhvr>
-                                        <p:cTn id="10" dur="1" fill="hold">
+                                        <p:cTn id="12" dur="1" fill="hold">
                                           <p:stCondLst>
                                             <p:cond delay="0"/>
                                           </p:stCondLst>
@@ -30166,51 +30228,52 @@
                                         <p:strVal val="visible"/>
                                       </p:to>
                                     </p:set>
-                                  </p:childTnLst>
-                                </p:cTn>
-                              </p:par>
-                            </p:childTnLst>
-                          </p:cTn>
-                        </p:par>
-                      </p:childTnLst>
-                    </p:cTn>
-                  </p:par>
-                  <p:par>
-                    <p:cTn id="11" fill="hold">
-                      <p:stCondLst>
-                        <p:cond delay="indefinite"/>
-                      </p:stCondLst>
-                      <p:childTnLst>
-                        <p:par>
-                          <p:cTn id="12" fill="hold">
-                            <p:stCondLst>
-                              <p:cond delay="0"/>
-                            </p:stCondLst>
-                            <p:childTnLst>
-                              <p:par>
-                                <p:cTn id="13" presetID="1" presetClass="entr" presetSubtype="0" fill="hold" nodeType="clickEffect">
-                                  <p:stCondLst>
-                                    <p:cond delay="0"/>
-                                  </p:stCondLst>
-                                  <p:childTnLst>
-                                    <p:set>
-                                      <p:cBhvr>
-                                        <p:cTn id="14" dur="1" fill="hold">
-                                          <p:stCondLst>
-                                            <p:cond delay="0"/>
-                                          </p:stCondLst>
-                                        </p:cTn>
+                                    <p:anim calcmode="lin" valueType="num">
+                                      <p:cBhvr additive="base">
+                                        <p:cTn id="13" dur="500"/>
                                         <p:tgtEl>
-                                          <p:spTgt spid="273"/>
+                                          <p:spTgt spid="272"/>
                                         </p:tgtEl>
                                         <p:attrNameLst>
-                                          <p:attrName>style.visibility</p:attrName>
+                                          <p:attrName>ppt_w</p:attrName>
                                         </p:attrNameLst>
                                       </p:cBhvr>
-                                      <p:to>
-                                        <p:strVal val="visible"/>
-                                      </p:to>
-                                    </p:set>
+                                      <p:tavLst>
+                                        <p:tav tm="0">
+                                          <p:val>
+                                            <p:strVal val="0"/>
+                                          </p:val>
+                                        </p:tav>
+                                        <p:tav tm="100000">
+                                          <p:val>
+                                            <p:strVal val="#ppt_w"/>
+                                          </p:val>
+                                        </p:tav>
+                                      </p:tavLst>
+                                    </p:anim>
+                                    <p:anim calcmode="lin" valueType="num">
+                                      <p:cBhvr additive="base">
+                                        <p:cTn id="14" dur="500"/>
+                                        <p:tgtEl>
+                                          <p:spTgt spid="272"/>
+                                        </p:tgtEl>
+                                        <p:attrNameLst>
+                                          <p:attrName>ppt_h</p:attrName>
+                                        </p:attrNameLst>
+                                      </p:cBhvr>
+                                      <p:tavLst>
+                                        <p:tav tm="0">
+                                          <p:val>
+                                            <p:strVal val="0"/>
+                                          </p:val>
+                                        </p:tav>
+                                        <p:tav tm="100000">
+                                          <p:val>
+                                            <p:strVal val="#ppt_h"/>
+                                          </p:val>
+                                        </p:tav>
+                                      </p:tavLst>
+                                    </p:anim>
                                   </p:childTnLst>
                                 </p:cTn>
                               </p:par>
@@ -30233,7 +30296,7 @@
                             </p:stCondLst>
                             <p:childTnLst>
                               <p:par>
-                                <p:cTn id="17" presetID="1" presetClass="entr" presetSubtype="0" fill="hold" nodeType="clickEffect">
+                                <p:cTn id="17" presetID="23" presetClass="entr" presetSubtype="16" fill="hold" nodeType="clickEffect">
                                   <p:stCondLst>
                                     <p:cond delay="0"/>
                                   </p:stCondLst>
@@ -30241,6 +30304,97 @@
                                     <p:set>
                                       <p:cBhvr>
                                         <p:cTn id="18" dur="1" fill="hold">
+                                          <p:stCondLst>
+                                            <p:cond delay="0"/>
+                                          </p:stCondLst>
+                                        </p:cTn>
+                                        <p:tgtEl>
+                                          <p:spTgt spid="273"/>
+                                        </p:tgtEl>
+                                        <p:attrNameLst>
+                                          <p:attrName>style.visibility</p:attrName>
+                                        </p:attrNameLst>
+                                      </p:cBhvr>
+                                      <p:to>
+                                        <p:strVal val="visible"/>
+                                      </p:to>
+                                    </p:set>
+                                    <p:anim calcmode="lin" valueType="num">
+                                      <p:cBhvr additive="base">
+                                        <p:cTn id="19" dur="500"/>
+                                        <p:tgtEl>
+                                          <p:spTgt spid="273"/>
+                                        </p:tgtEl>
+                                        <p:attrNameLst>
+                                          <p:attrName>ppt_w</p:attrName>
+                                        </p:attrNameLst>
+                                      </p:cBhvr>
+                                      <p:tavLst>
+                                        <p:tav tm="0">
+                                          <p:val>
+                                            <p:strVal val="0"/>
+                                          </p:val>
+                                        </p:tav>
+                                        <p:tav tm="100000">
+                                          <p:val>
+                                            <p:strVal val="#ppt_w"/>
+                                          </p:val>
+                                        </p:tav>
+                                      </p:tavLst>
+                                    </p:anim>
+                                    <p:anim calcmode="lin" valueType="num">
+                                      <p:cBhvr additive="base">
+                                        <p:cTn id="20" dur="500"/>
+                                        <p:tgtEl>
+                                          <p:spTgt spid="273"/>
+                                        </p:tgtEl>
+                                        <p:attrNameLst>
+                                          <p:attrName>ppt_h</p:attrName>
+                                        </p:attrNameLst>
+                                      </p:cBhvr>
+                                      <p:tavLst>
+                                        <p:tav tm="0">
+                                          <p:val>
+                                            <p:strVal val="0"/>
+                                          </p:val>
+                                        </p:tav>
+                                        <p:tav tm="100000">
+                                          <p:val>
+                                            <p:strVal val="#ppt_h"/>
+                                          </p:val>
+                                        </p:tav>
+                                      </p:tavLst>
+                                    </p:anim>
+                                  </p:childTnLst>
+                                </p:cTn>
+                              </p:par>
+                            </p:childTnLst>
+                          </p:cTn>
+                        </p:par>
+                      </p:childTnLst>
+                    </p:cTn>
+                  </p:par>
+                  <p:par>
+                    <p:cTn id="21" fill="hold">
+                      <p:stCondLst>
+                        <p:cond delay="indefinite"/>
+                      </p:stCondLst>
+                      <p:childTnLst>
+                        <p:par>
+                          <p:cTn id="22" fill="hold">
+                            <p:stCondLst>
+                              <p:cond delay="0"/>
+                            </p:stCondLst>
+                            <p:childTnLst>
+                              <p:par>
+                                <p:cTn id="23" presetID="23" presetClass="entr" presetSubtype="16" fill="hold" nodeType="clickEffect">
+                                  <p:stCondLst>
+                                    <p:cond delay="0"/>
+                                  </p:stCondLst>
+                                  <p:childTnLst>
+                                    <p:set>
+                                      <p:cBhvr>
+                                        <p:cTn id="24" dur="1" fill="hold">
                                           <p:stCondLst>
                                             <p:cond delay="0"/>
                                           </p:stCondLst>
@@ -30256,6 +30410,52 @@
                                         <p:strVal val="visible"/>
                                       </p:to>
                                     </p:set>
+                                    <p:anim calcmode="lin" valueType="num">
+                                      <p:cBhvr additive="base">
+                                        <p:cTn id="25" dur="500"/>
+                                        <p:tgtEl>
+                                          <p:spTgt spid="274"/>
+                                        </p:tgtEl>
+                                        <p:attrNameLst>
+                                          <p:attrName>ppt_w</p:attrName>
+                                        </p:attrNameLst>
+                                      </p:cBhvr>
+                                      <p:tavLst>
+                                        <p:tav tm="0">
+                                          <p:val>
+                                            <p:strVal val="0"/>
+                                          </p:val>
+                                        </p:tav>
+                                        <p:tav tm="100000">
+                                          <p:val>
+                                            <p:strVal val="#ppt_w"/>
+                                          </p:val>
+                                        </p:tav>
+                                      </p:tavLst>
+                                    </p:anim>
+                                    <p:anim calcmode="lin" valueType="num">
+                                      <p:cBhvr additive="base">
+                                        <p:cTn id="26" dur="500"/>
+                                        <p:tgtEl>
+                                          <p:spTgt spid="274"/>
+                                        </p:tgtEl>
+                                        <p:attrNameLst>
+                                          <p:attrName>ppt_h</p:attrName>
+                                        </p:attrNameLst>
+                                      </p:cBhvr>
+                                      <p:tavLst>
+                                        <p:tav tm="0">
+                                          <p:val>
+                                            <p:strVal val="0"/>
+                                          </p:val>
+                                        </p:tav>
+                                        <p:tav tm="100000">
+                                          <p:val>
+                                            <p:strVal val="#ppt_h"/>
+                                          </p:val>
+                                        </p:tav>
+                                      </p:tavLst>
+                                    </p:anim>
                                   </p:childTnLst>
                                 </p:cTn>
                               </p:par>
@@ -30373,8 +30573,8 @@
         </p:nvSpPr>
         <p:spPr>
           <a:xfrm>
-            <a:off x="1894584" y="4513650"/>
-            <a:ext cx="5339915" cy="392400"/>
+            <a:off x="1909499" y="4513650"/>
+            <a:ext cx="5359652" cy="392400"/>
           </a:xfrm>
           <a:prstGeom prst="rect">
             <a:avLst/>
@@ -30506,7 +30706,7 @@
                             </p:stCondLst>
                             <p:childTnLst>
                               <p:par>
-                                <p:cTn id="5" presetID="1" presetClass="entr" presetSubtype="0" fill="hold" nodeType="clickEffect">
+                                <p:cTn id="5" presetID="23" presetClass="entr" presetSubtype="16" fill="hold" nodeType="clickEffect">
                                   <p:stCondLst>
                                     <p:cond delay="0"/>
                                   </p:stCondLst>
@@ -30529,6 +30729,52 @@
                                         <p:strVal val="visible"/>
                                       </p:to>
                                     </p:set>
+                                    <p:anim calcmode="lin" valueType="num">
+                                      <p:cBhvr additive="base">
+                                        <p:cTn id="7" dur="500"/>
+                                        <p:tgtEl>
+                                          <p:spTgt spid="280"/>
+                                        </p:tgtEl>
+                                        <p:attrNameLst>
+                                          <p:attrName>ppt_w</p:attrName>
+                                        </p:attrNameLst>
+                                      </p:cBhvr>
+                                      <p:tavLst>
+                                        <p:tav tm="0">
+                                          <p:val>
+                                            <p:strVal val="0"/>
+                                          </p:val>
+                                        </p:tav>
+                                        <p:tav tm="100000">
+                                          <p:val>
+                                            <p:strVal val="#ppt_w"/>
+                                          </p:val>
+                                        </p:tav>
+                                      </p:tavLst>
+                                    </p:anim>
+                                    <p:anim calcmode="lin" valueType="num">
+                                      <p:cBhvr additive="base">
+                                        <p:cTn id="8" dur="500"/>
+                                        <p:tgtEl>
+                                          <p:spTgt spid="280"/>
+                                        </p:tgtEl>
+                                        <p:attrNameLst>
+                                          <p:attrName>ppt_h</p:attrName>
+                                        </p:attrNameLst>
+                                      </p:cBhvr>
+                                      <p:tavLst>
+                                        <p:tav tm="0">
+                                          <p:val>
+                                            <p:strVal val="0"/>
+                                          </p:val>
+                                        </p:tav>
+                                        <p:tav tm="100000">
+                                          <p:val>
+                                            <p:strVal val="#ppt_h"/>
+                                          </p:val>
+                                        </p:tav>
+                                      </p:tavLst>
+                                    </p:anim>
                                   </p:childTnLst>
                                 </p:cTn>
                               </p:par>
@@ -31352,6 +31598,13 @@
   <p:clrMapOvr>
     <a:masterClrMapping/>
   </p:clrMapOvr>
+  <p:timing>
+    <p:tnLst>
+      <p:par>
+        <p:cTn id="1" dur="indefinite" restart="never" nodeType="tmRoot"/>
+      </p:par>
+    </p:tnLst>
+  </p:timing>
 </p:sld>
 </file>
 
@@ -31965,7 +32218,7 @@
                             </p:stCondLst>
                             <p:childTnLst>
                               <p:par>
-                                <p:cTn id="5" presetID="1" presetClass="entr" presetSubtype="0" fill="hold" nodeType="clickEffect">
+                                <p:cTn id="5" presetID="23" presetClass="entr" presetSubtype="16" fill="hold" nodeType="clickEffect">
                                   <p:stCondLst>
                                     <p:cond delay="0"/>
                                   </p:stCondLst>
@@ -31988,6 +32241,52 @@
                                         <p:strVal val="visible"/>
                                       </p:to>
                                     </p:set>
+                                    <p:anim calcmode="lin" valueType="num">
+                                      <p:cBhvr additive="base">
+                                        <p:cTn id="7" dur="500"/>
+                                        <p:tgtEl>
+                                          <p:spTgt spid="304"/>
+                                        </p:tgtEl>
+                                        <p:attrNameLst>
+                                          <p:attrName>ppt_w</p:attrName>
+                                        </p:attrNameLst>
+                                      </p:cBhvr>
+                                      <p:tavLst>
+                                        <p:tav tm="0">
+                                          <p:val>
+                                            <p:strVal val="0"/>
+                                          </p:val>
+                                        </p:tav>
+                                        <p:tav tm="100000">
+                                          <p:val>
+                                            <p:strVal val="#ppt_w"/>
+                                          </p:val>
+                                        </p:tav>
+                                      </p:tavLst>
+                                    </p:anim>
+                                    <p:anim calcmode="lin" valueType="num">
+                                      <p:cBhvr additive="base">
+                                        <p:cTn id="8" dur="500"/>
+                                        <p:tgtEl>
+                                          <p:spTgt spid="304"/>
+                                        </p:tgtEl>
+                                        <p:attrNameLst>
+                                          <p:attrName>ppt_h</p:attrName>
+                                        </p:attrNameLst>
+                                      </p:cBhvr>
+                                      <p:tavLst>
+                                        <p:tav tm="0">
+                                          <p:val>
+                                            <p:strVal val="0"/>
+                                          </p:val>
+                                        </p:tav>
+                                        <p:tav tm="100000">
+                                          <p:val>
+                                            <p:strVal val="#ppt_h"/>
+                                          </p:val>
+                                        </p:tav>
+                                      </p:tavLst>
+                                    </p:anim>
                                   </p:childTnLst>
                                 </p:cTn>
                               </p:par>
@@ -32597,7 +32896,7 @@
                             </p:stCondLst>
                             <p:childTnLst>
                               <p:par>
-                                <p:cTn id="5" presetID="1" presetClass="entr" presetSubtype="0" fill="hold" nodeType="clickEffect">
+                                <p:cTn id="5" presetID="23" presetClass="entr" presetSubtype="16" fill="hold" nodeType="clickEffect">
                                   <p:stCondLst>
                                     <p:cond delay="0"/>
                                   </p:stCondLst>
@@ -32620,18 +32919,64 @@
                                         <p:strVal val="visible"/>
                                       </p:to>
                                     </p:set>
+                                    <p:anim calcmode="lin" valueType="num">
+                                      <p:cBhvr additive="base">
+                                        <p:cTn id="7" dur="500"/>
+                                        <p:tgtEl>
+                                          <p:spTgt spid="312"/>
+                                        </p:tgtEl>
+                                        <p:attrNameLst>
+                                          <p:attrName>ppt_w</p:attrName>
+                                        </p:attrNameLst>
+                                      </p:cBhvr>
+                                      <p:tavLst>
+                                        <p:tav tm="0">
+                                          <p:val>
+                                            <p:strVal val="0"/>
+                                          </p:val>
+                                        </p:tav>
+                                        <p:tav tm="100000">
+                                          <p:val>
+                                            <p:strVal val="#ppt_w"/>
+                                          </p:val>
+                                        </p:tav>
+                                      </p:tavLst>
+                                    </p:anim>
+                                    <p:anim calcmode="lin" valueType="num">
+                                      <p:cBhvr additive="base">
+                                        <p:cTn id="8" dur="500"/>
+                                        <p:tgtEl>
+                                          <p:spTgt spid="312"/>
+                                        </p:tgtEl>
+                                        <p:attrNameLst>
+                                          <p:attrName>ppt_h</p:attrName>
+                                        </p:attrNameLst>
+                                      </p:cBhvr>
+                                      <p:tavLst>
+                                        <p:tav tm="0">
+                                          <p:val>
+                                            <p:strVal val="0"/>
+                                          </p:val>
+                                        </p:tav>
+                                        <p:tav tm="100000">
+                                          <p:val>
+                                            <p:strVal val="#ppt_h"/>
+                                          </p:val>
+                                        </p:tav>
+                                      </p:tavLst>
+                                    </p:anim>
                                   </p:childTnLst>
                                 </p:cTn>
                               </p:par>
                               <p:par>
-                                <p:cTn id="7" presetID="1" presetClass="entr" presetSubtype="0" fill="hold" nodeType="withEffect">
+                                <p:cTn id="9" presetID="23" presetClass="entr" presetSubtype="16" fill="hold" nodeType="withEffect">
                                   <p:stCondLst>
                                     <p:cond delay="0"/>
                                   </p:stCondLst>
                                   <p:childTnLst>
                                     <p:set>
                                       <p:cBhvr>
-                                        <p:cTn id="8" dur="1" fill="hold">
+                                        <p:cTn id="10" dur="1" fill="hold">
                                           <p:stCondLst>
                                             <p:cond delay="0"/>
                                           </p:stCondLst>
@@ -32647,6 +32992,52 @@
                                         <p:strVal val="visible"/>
                                       </p:to>
                                     </p:set>
+                                    <p:anim calcmode="lin" valueType="num">
+                                      <p:cBhvr additive="base">
+                                        <p:cTn id="11" dur="500"/>
+                                        <p:tgtEl>
+                                          <p:spTgt spid="313"/>
+                                        </p:tgtEl>
+                                        <p:attrNameLst>
+                                          <p:attrName>ppt_w</p:attrName>
+                                        </p:attrNameLst>
+                                      </p:cBhvr>
+                                      <p:tavLst>
+                                        <p:tav tm="0">
+                                          <p:val>
+                                            <p:strVal val="0"/>
+                                          </p:val>
+                                        </p:tav>
+                                        <p:tav tm="100000">
+                                          <p:val>
+                                            <p:strVal val="#ppt_w"/>
+                                          </p:val>
+                                        </p:tav>
+                                      </p:tavLst>
+                                    </p:anim>
+                                    <p:anim calcmode="lin" valueType="num">
+                                      <p:cBhvr additive="base">
+                                        <p:cTn id="12" dur="500"/>
+                                        <p:tgtEl>
+                                          <p:spTgt spid="313"/>
+                                        </p:tgtEl>
+                                        <p:attrNameLst>
+                                          <p:attrName>ppt_h</p:attrName>
+                                        </p:attrNameLst>
+                                      </p:cBhvr>
+                                      <p:tavLst>
+                                        <p:tav tm="0">
+                                          <p:val>
+                                            <p:strVal val="0"/>
+                                          </p:val>
+                                        </p:tav>
+                                        <p:tav tm="100000">
+                                          <p:val>
+                                            <p:strVal val="#ppt_h"/>
+                                          </p:val>
+                                        </p:tav>
+                                      </p:tavLst>
+                                    </p:anim>
                                   </p:childTnLst>
                                 </p:cTn>
                               </p:par>
@@ -32657,26 +33048,26 @@
                     </p:cTn>
                   </p:par>
                   <p:par>
-                    <p:cTn id="9" fill="hold">
+                    <p:cTn id="13" fill="hold">
                       <p:stCondLst>
                         <p:cond delay="indefinite"/>
                       </p:stCondLst>
                       <p:childTnLst>
                         <p:par>
-                          <p:cTn id="10" fill="hold">
+                          <p:cTn id="14" fill="hold">
                             <p:stCondLst>
                               <p:cond delay="0"/>
                             </p:stCondLst>
                             <p:childTnLst>
                               <p:par>
-                                <p:cTn id="11" presetID="1" presetClass="entr" presetSubtype="0" fill="hold" nodeType="clickEffect">
+                                <p:cTn id="15" presetID="23" presetClass="entr" presetSubtype="16" fill="hold" nodeType="clickEffect">
                                   <p:stCondLst>
                                     <p:cond delay="0"/>
                                   </p:stCondLst>
                                   <p:childTnLst>
                                     <p:set>
                                       <p:cBhvr>
-                                        <p:cTn id="12" dur="1" fill="hold">
+                                        <p:cTn id="16" dur="1" fill="hold">
                                           <p:stCondLst>
                                             <p:cond delay="0"/>
                                           </p:stCondLst>
@@ -32692,18 +33083,64 @@
                                         <p:strVal val="visible"/>
                                       </p:to>
                                     </p:set>
+                                    <p:anim calcmode="lin" valueType="num">
+                                      <p:cBhvr additive="base">
+                                        <p:cTn id="17" dur="500"/>
+                                        <p:tgtEl>
+                                          <p:spTgt spid="314"/>
+                                        </p:tgtEl>
+                                        <p:attrNameLst>
+                                          <p:attrName>ppt_w</p:attrName>
+                                        </p:attrNameLst>
+                                      </p:cBhvr>
+                                      <p:tavLst>
+                                        <p:tav tm="0">
+                                          <p:val>
+                                            <p:strVal val="0"/>
+                                          </p:val>
+                                        </p:tav>
+                                        <p:tav tm="100000">
+                                          <p:val>
+                                            <p:strVal val="#ppt_w"/>
+                                          </p:val>
+                                        </p:tav>
+                                      </p:tavLst>
+                                    </p:anim>
+                                    <p:anim calcmode="lin" valueType="num">
+                                      <p:cBhvr additive="base">
+                                        <p:cTn id="18" dur="500"/>
+                                        <p:tgtEl>
+                                          <p:spTgt spid="314"/>
+                                        </p:tgtEl>
+                                        <p:attrNameLst>
+                                          <p:attrName>ppt_h</p:attrName>
+                                        </p:attrNameLst>
+                                      </p:cBhvr>
+                                      <p:tavLst>
+                                        <p:tav tm="0">
+                                          <p:val>
+                                            <p:strVal val="0"/>
+                                          </p:val>
+                                        </p:tav>
+                                        <p:tav tm="100000">
+                                          <p:val>
+                                            <p:strVal val="#ppt_h"/>
+                                          </p:val>
+                                        </p:tav>
+                                      </p:tavLst>
+                                    </p:anim>
                                   </p:childTnLst>
                                 </p:cTn>
                               </p:par>
                               <p:par>
-                                <p:cTn id="13" presetID="1" presetClass="entr" presetSubtype="0" fill="hold" nodeType="withEffect">
+                                <p:cTn id="19" presetID="23" presetClass="entr" presetSubtype="16" fill="hold" nodeType="withEffect">
                                   <p:stCondLst>
                                     <p:cond delay="0"/>
                                   </p:stCondLst>
                                   <p:childTnLst>
                                     <p:set>
                                       <p:cBhvr>
-                                        <p:cTn id="14" dur="1" fill="hold">
+                                        <p:cTn id="20" dur="1" fill="hold">
                                           <p:stCondLst>
                                             <p:cond delay="0"/>
                                           </p:stCondLst>
@@ -32719,6 +33156,52 @@
                                         <p:strVal val="visible"/>
                                       </p:to>
                                     </p:set>
+                                    <p:anim calcmode="lin" valueType="num">
+                                      <p:cBhvr additive="base">
+                                        <p:cTn id="21" dur="500"/>
+                                        <p:tgtEl>
+                                          <p:spTgt spid="315"/>
+                                        </p:tgtEl>
+                                        <p:attrNameLst>
+                                          <p:attrName>ppt_w</p:attrName>
+                                        </p:attrNameLst>
+                                      </p:cBhvr>
+                                      <p:tavLst>
+                                        <p:tav tm="0">
+                                          <p:val>
+                                            <p:strVal val="0"/>
+                                          </p:val>
+                                        </p:tav>
+                                        <p:tav tm="100000">
+                                          <p:val>
+                                            <p:strVal val="#ppt_w"/>
+                                          </p:val>
+                                        </p:tav>
+                                      </p:tavLst>
+                                    </p:anim>
+                                    <p:anim calcmode="lin" valueType="num">
+                                      <p:cBhvr additive="base">
+                                        <p:cTn id="22" dur="500"/>
+                                        <p:tgtEl>
+                                          <p:spTgt spid="315"/>
+                                        </p:tgtEl>
+                                        <p:attrNameLst>
+                                          <p:attrName>ppt_h</p:attrName>
+                                        </p:attrNameLst>
+                                      </p:cBhvr>
+                                      <p:tavLst>
+                                        <p:tav tm="0">
+                                          <p:val>
+                                            <p:strVal val="0"/>
+                                          </p:val>
+                                        </p:tav>
+                                        <p:tav tm="100000">
+                                          <p:val>
+                                            <p:strVal val="#ppt_h"/>
+                                          </p:val>
+                                        </p:tav>
+                                      </p:tavLst>
+                                    </p:anim>
                                   </p:childTnLst>
                                 </p:cTn>
                               </p:par>
@@ -32866,6 +33349,13 @@
   <p:clrMapOvr>
     <a:masterClrMapping/>
   </p:clrMapOvr>
+  <p:timing>
+    <p:tnLst>
+      <p:par>
+        <p:cTn id="1" dur="indefinite" restart="never" nodeType="tmRoot"/>
+      </p:par>
+    </p:tnLst>
+  </p:timing>
 </p:sld>
 </file>
 
@@ -33619,7 +34109,7 @@
                             </p:stCondLst>
                             <p:childTnLst>
                               <p:par>
-                                <p:cTn id="5" presetID="1" presetClass="entr" presetSubtype="0" fill="hold" nodeType="clickEffect">
+                                <p:cTn id="5" presetID="23" presetClass="entr" presetSubtype="16" fill="hold" nodeType="clickEffect">
                                   <p:stCondLst>
                                     <p:cond delay="0"/>
                                   </p:stCondLst>
@@ -33642,6 +34132,52 @@
                                         <p:strVal val="visible"/>
                                       </p:to>
                                     </p:set>
+                                    <p:anim calcmode="lin" valueType="num">
+                                      <p:cBhvr additive="base">
+                                        <p:cTn id="7" dur="500"/>
+                                        <p:tgtEl>
+                                          <p:spTgt spid="327"/>
+                                        </p:tgtEl>
+                                        <p:attrNameLst>
+                                          <p:attrName>ppt_w</p:attrName>
+                                        </p:attrNameLst>
+                                      </p:cBhvr>
+                                      <p:tavLst>
+                                        <p:tav tm="0">
+                                          <p:val>
+                                            <p:strVal val="0"/>
+                                          </p:val>
+                                        </p:tav>
+                                        <p:tav tm="100000">
+                                          <p:val>
+                                            <p:strVal val="#ppt_w"/>
+                                          </p:val>
+                                        </p:tav>
+                                      </p:tavLst>
+                                    </p:anim>
+                                    <p:anim calcmode="lin" valueType="num">
+                                      <p:cBhvr additive="base">
+                                        <p:cTn id="8" dur="500"/>
+                                        <p:tgtEl>
+                                          <p:spTgt spid="327"/>
+                                        </p:tgtEl>
+                                        <p:attrNameLst>
+                                          <p:attrName>ppt_h</p:attrName>
+                                        </p:attrNameLst>
+                                      </p:cBhvr>
+                                      <p:tavLst>
+                                        <p:tav tm="0">
+                                          <p:val>
+                                            <p:strVal val="0"/>
+                                          </p:val>
+                                        </p:tav>
+                                        <p:tav tm="100000">
+                                          <p:val>
+                                            <p:strVal val="#ppt_h"/>
+                                          </p:val>
+                                        </p:tav>
+                                      </p:tavLst>
+                                    </p:anim>
                                   </p:childTnLst>
                                 </p:cTn>
                               </p:par>
@@ -33652,26 +34188,26 @@
                     </p:cTn>
                   </p:par>
                   <p:par>
-                    <p:cTn id="7" fill="hold">
+                    <p:cTn id="9" fill="hold">
                       <p:stCondLst>
                         <p:cond delay="indefinite"/>
                       </p:stCondLst>
                       <p:childTnLst>
                         <p:par>
-                          <p:cTn id="8" fill="hold">
+                          <p:cTn id="10" fill="hold">
                             <p:stCondLst>
                               <p:cond delay="0"/>
                             </p:stCondLst>
                             <p:childTnLst>
                               <p:par>
-                                <p:cTn id="9" presetID="1" presetClass="entr" presetSubtype="0" fill="hold" nodeType="clickEffect">
+                                <p:cTn id="11" presetID="23" presetClass="entr" presetSubtype="16" fill="hold" nodeType="clickEffect">
                                   <p:stCondLst>
                                     <p:cond delay="0"/>
                                   </p:stCondLst>
                                   <p:childTnLst>
                                     <p:set>
                                       <p:cBhvr>
-                                        <p:cTn id="10" dur="1" fill="hold">
+                                        <p:cTn id="12" dur="1" fill="hold">
                                           <p:stCondLst>
                                             <p:cond delay="0"/>
                                           </p:stCondLst>
@@ -33687,51 +34223,52 @@
                                         <p:strVal val="visible"/>
                                       </p:to>
                                     </p:set>
-                                  </p:childTnLst>
-                                </p:cTn>
-                              </p:par>
-                            </p:childTnLst>
-                          </p:cTn>
-                        </p:par>
-                      </p:childTnLst>
-                    </p:cTn>
-                  </p:par>
-                  <p:par>
-                    <p:cTn id="11" fill="hold">
-                      <p:stCondLst>
-                        <p:cond delay="indefinite"/>
-                      </p:stCondLst>
-                      <p:childTnLst>
-                        <p:par>
-                          <p:cTn id="12" fill="hold">
-                            <p:stCondLst>
-                              <p:cond delay="0"/>
-                            </p:stCondLst>
-                            <p:childTnLst>
-                              <p:par>
-                                <p:cTn id="13" presetID="1" presetClass="entr" presetSubtype="0" fill="hold" nodeType="clickEffect">
-                                  <p:stCondLst>
-                                    <p:cond delay="0"/>
-                                  </p:stCondLst>
-                                  <p:childTnLst>
-                                    <p:set>
-                                      <p:cBhvr>
-                                        <p:cTn id="14" dur="1" fill="hold">
-                                          <p:stCondLst>
-                                            <p:cond delay="0"/>
-                                          </p:stCondLst>
-                                        </p:cTn>
+                                    <p:anim calcmode="lin" valueType="num">
+                                      <p:cBhvr additive="base">
+                                        <p:cTn id="13" dur="500"/>
                                         <p:tgtEl>
-                                          <p:spTgt spid="329"/>
+                                          <p:spTgt spid="328"/>
                                         </p:tgtEl>
                                         <p:attrNameLst>
-                                          <p:attrName>style.visibility</p:attrName>
+                                          <p:attrName>ppt_w</p:attrName>
                                         </p:attrNameLst>
                                       </p:cBhvr>
-                                      <p:to>
-                                        <p:strVal val="visible"/>
-                                      </p:to>
-                                    </p:set>
+                                      <p:tavLst>
+                                        <p:tav tm="0">
+                                          <p:val>
+                                            <p:strVal val="0"/>
+                                          </p:val>
+                                        </p:tav>
+                                        <p:tav tm="100000">
+                                          <p:val>
+                                            <p:strVal val="#ppt_w"/>
+                                          </p:val>
+                                        </p:tav>
+                                      </p:tavLst>
+                                    </p:anim>
+                                    <p:anim calcmode="lin" valueType="num">
+                                      <p:cBhvr additive="base">
+                                        <p:cTn id="14" dur="500"/>
+                                        <p:tgtEl>
+                                          <p:spTgt spid="328"/>
+                                        </p:tgtEl>
+                                        <p:attrNameLst>
+                                          <p:attrName>ppt_h</p:attrName>
+                                        </p:attrNameLst>
+                                      </p:cBhvr>
+                                      <p:tavLst>
+                                        <p:tav tm="0">
+                                          <p:val>
+                                            <p:strVal val="0"/>
+                                          </p:val>
+                                        </p:tav>
+                                        <p:tav tm="100000">
+                                          <p:val>
+                                            <p:strVal val="#ppt_h"/>
+                                          </p:val>
+                                        </p:tav>
+                                      </p:tavLst>
+                                    </p:anim>
                                   </p:childTnLst>
                                 </p:cTn>
                               </p:par>
@@ -33754,7 +34291,7 @@
                             </p:stCondLst>
                             <p:childTnLst>
                               <p:par>
-                                <p:cTn id="17" presetID="1" presetClass="entr" presetSubtype="0" fill="hold" nodeType="clickEffect">
+                                <p:cTn id="17" presetID="23" presetClass="entr" presetSubtype="16" fill="hold" nodeType="clickEffect">
                                   <p:stCondLst>
                                     <p:cond delay="0"/>
                                   </p:stCondLst>
@@ -33762,6 +34299,97 @@
                                     <p:set>
                                       <p:cBhvr>
                                         <p:cTn id="18" dur="1" fill="hold">
+                                          <p:stCondLst>
+                                            <p:cond delay="0"/>
+                                          </p:stCondLst>
+                                        </p:cTn>
+                                        <p:tgtEl>
+                                          <p:spTgt spid="329"/>
+                                        </p:tgtEl>
+                                        <p:attrNameLst>
+                                          <p:attrName>style.visibility</p:attrName>
+                                        </p:attrNameLst>
+                                      </p:cBhvr>
+                                      <p:to>
+                                        <p:strVal val="visible"/>
+                                      </p:to>
+                                    </p:set>
+                                    <p:anim calcmode="lin" valueType="num">
+                                      <p:cBhvr additive="base">
+                                        <p:cTn id="19" dur="500"/>
+                                        <p:tgtEl>
+                                          <p:spTgt spid="329"/>
+                                        </p:tgtEl>
+                                        <p:attrNameLst>
+                                          <p:attrName>ppt_w</p:attrName>
+                                        </p:attrNameLst>
+                                      </p:cBhvr>
+                                      <p:tavLst>
+                                        <p:tav tm="0">
+                                          <p:val>
+                                            <p:strVal val="0"/>
+                                          </p:val>
+                                        </p:tav>
+                                        <p:tav tm="100000">
+                                          <p:val>
+                                            <p:strVal val="#ppt_w"/>
+                                          </p:val>
+                                        </p:tav>
+                                      </p:tavLst>
+                                    </p:anim>
+                                    <p:anim calcmode="lin" valueType="num">
+                                      <p:cBhvr additive="base">
+                                        <p:cTn id="20" dur="500"/>
+                                        <p:tgtEl>
+                                          <p:spTgt spid="329"/>
+                                        </p:tgtEl>
+                                        <p:attrNameLst>
+                                          <p:attrName>ppt_h</p:attrName>
+                                        </p:attrNameLst>
+                                      </p:cBhvr>
+                                      <p:tavLst>
+                                        <p:tav tm="0">
+                                          <p:val>
+                                            <p:strVal val="0"/>
+                                          </p:val>
+                                        </p:tav>
+                                        <p:tav tm="100000">
+                                          <p:val>
+                                            <p:strVal val="#ppt_h"/>
+                                          </p:val>
+                                        </p:tav>
+                                      </p:tavLst>
+                                    </p:anim>
+                                  </p:childTnLst>
+                                </p:cTn>
+                              </p:par>
+                            </p:childTnLst>
+                          </p:cTn>
+                        </p:par>
+                      </p:childTnLst>
+                    </p:cTn>
+                  </p:par>
+                  <p:par>
+                    <p:cTn id="21" fill="hold">
+                      <p:stCondLst>
+                        <p:cond delay="indefinite"/>
+                      </p:stCondLst>
+                      <p:childTnLst>
+                        <p:par>
+                          <p:cTn id="22" fill="hold">
+                            <p:stCondLst>
+                              <p:cond delay="0"/>
+                            </p:stCondLst>
+                            <p:childTnLst>
+                              <p:par>
+                                <p:cTn id="23" presetID="23" presetClass="entr" presetSubtype="16" fill="hold" nodeType="clickEffect">
+                                  <p:stCondLst>
+                                    <p:cond delay="0"/>
+                                  </p:stCondLst>
+                                  <p:childTnLst>
+                                    <p:set>
+                                      <p:cBhvr>
+                                        <p:cTn id="24" dur="1" fill="hold">
                                           <p:stCondLst>
                                             <p:cond delay="0"/>
                                           </p:stCondLst>
@@ -33777,6 +34405,52 @@
                                         <p:strVal val="visible"/>
                                       </p:to>
                                     </p:set>
+                                    <p:anim calcmode="lin" valueType="num">
+                                      <p:cBhvr additive="base">
+                                        <p:cTn id="25" dur="500"/>
+                                        <p:tgtEl>
+                                          <p:spTgt spid="330"/>
+                                        </p:tgtEl>
+                                        <p:attrNameLst>
+                                          <p:attrName>ppt_w</p:attrName>
+                                        </p:attrNameLst>
+                                      </p:cBhvr>
+                                      <p:tavLst>
+                                        <p:tav tm="0">
+                                          <p:val>
+                                            <p:strVal val="0"/>
+                                          </p:val>
+                                        </p:tav>
+                                        <p:tav tm="100000">
+                                          <p:val>
+                                            <p:strVal val="#ppt_w"/>
+                                          </p:val>
+                                        </p:tav>
+                                      </p:tavLst>
+                                    </p:anim>
+                                    <p:anim calcmode="lin" valueType="num">
+                                      <p:cBhvr additive="base">
+                                        <p:cTn id="26" dur="500"/>
+                                        <p:tgtEl>
+                                          <p:spTgt spid="330"/>
+                                        </p:tgtEl>
+                                        <p:attrNameLst>
+                                          <p:attrName>ppt_h</p:attrName>
+                                        </p:attrNameLst>
+                                      </p:cBhvr>
+                                      <p:tavLst>
+                                        <p:tav tm="0">
+                                          <p:val>
+                                            <p:strVal val="0"/>
+                                          </p:val>
+                                        </p:tav>
+                                        <p:tav tm="100000">
+                                          <p:val>
+                                            <p:strVal val="#ppt_h"/>
+                                          </p:val>
+                                        </p:tav>
+                                      </p:tavLst>
+                                    </p:anim>
                                   </p:childTnLst>
                                 </p:cTn>
                               </p:par>
@@ -33787,26 +34461,26 @@
                     </p:cTn>
                   </p:par>
                   <p:par>
-                    <p:cTn id="19" fill="hold">
+                    <p:cTn id="27" fill="hold">
                       <p:stCondLst>
                         <p:cond delay="indefinite"/>
                       </p:stCondLst>
                       <p:childTnLst>
                         <p:par>
-                          <p:cTn id="20" fill="hold">
+                          <p:cTn id="28" fill="hold">
                             <p:stCondLst>
                               <p:cond delay="0"/>
                             </p:stCondLst>
                             <p:childTnLst>
                               <p:par>
-                                <p:cTn id="21" presetID="1" presetClass="entr" presetSubtype="0" fill="hold" nodeType="clickEffect">
+                                <p:cTn id="29" presetID="23" presetClass="entr" presetSubtype="16" fill="hold" nodeType="clickEffect">
                                   <p:stCondLst>
                                     <p:cond delay="0"/>
                                   </p:stCondLst>
                                   <p:childTnLst>
                                     <p:set>
                                       <p:cBhvr>
-                                        <p:cTn id="22" dur="1" fill="hold">
+                                        <p:cTn id="30" dur="1" fill="hold">
                                           <p:stCondLst>
                                             <p:cond delay="0"/>
                                           </p:stCondLst>
@@ -33822,6 +34496,52 @@
                                         <p:strVal val="visible"/>
                                       </p:to>
                                     </p:set>
+                                    <p:anim calcmode="lin" valueType="num">
+                                      <p:cBhvr additive="base">
+                                        <p:cTn id="31" dur="500"/>
+                                        <p:tgtEl>
+                                          <p:spTgt spid="331"/>
+                                        </p:tgtEl>
+                                        <p:attrNameLst>
+                                          <p:attrName>ppt_w</p:attrName>
+                                        </p:attrNameLst>
+                                      </p:cBhvr>
+                                      <p:tavLst>
+                                        <p:tav tm="0">
+                                          <p:val>
+                                            <p:strVal val="0"/>
+                                          </p:val>
+                                        </p:tav>
+                                        <p:tav tm="100000">
+                                          <p:val>
+                                            <p:strVal val="#ppt_w"/>
+                                          </p:val>
+                                        </p:tav>
+                                      </p:tavLst>
+                                    </p:anim>
+                                    <p:anim calcmode="lin" valueType="num">
+                                      <p:cBhvr additive="base">
+                                        <p:cTn id="32" dur="500"/>
+                                        <p:tgtEl>
+                                          <p:spTgt spid="331"/>
+                                        </p:tgtEl>
+                                        <p:attrNameLst>
+                                          <p:attrName>ppt_h</p:attrName>
+                                        </p:attrNameLst>
+                                      </p:cBhvr>
+                                      <p:tavLst>
+                                        <p:tav tm="0">
+                                          <p:val>
+                                            <p:strVal val="0"/>
+                                          </p:val>
+                                        </p:tav>
+                                        <p:tav tm="100000">
+                                          <p:val>
+                                            <p:strVal val="#ppt_h"/>
+                                          </p:val>
+                                        </p:tav>
+                                      </p:tavLst>
+                                    </p:anim>
                                   </p:childTnLst>
                                 </p:cTn>
                               </p:par>
@@ -34101,6 +34821,13 @@
   <p:clrMapOvr>
     <a:masterClrMapping/>
   </p:clrMapOvr>
+  <p:timing>
+    <p:tnLst>
+      <p:par>
+        <p:cTn id="1" dur="indefinite" restart="never" nodeType="tmRoot"/>
+      </p:par>
+    </p:tnLst>
+  </p:timing>
 </p:sld>
 </file>
 
@@ -34349,6 +35076,13 @@
   <p:clrMapOvr>
     <a:masterClrMapping/>
   </p:clrMapOvr>
+  <p:timing>
+    <p:tnLst>
+      <p:par>
+        <p:cTn id="1" dur="indefinite" restart="never" nodeType="tmRoot"/>
+      </p:par>
+    </p:tnLst>
+  </p:timing>
 </p:sld>
 </file>
 
@@ -34754,6 +35488,13 @@
   <p:clrMapOvr>
     <a:masterClrMapping/>
   </p:clrMapOvr>
+  <p:timing>
+    <p:tnLst>
+      <p:par>
+        <p:cTn id="1" dur="indefinite" restart="never" nodeType="tmRoot"/>
+      </p:par>
+    </p:tnLst>
+  </p:timing>
 </p:sld>
 </file>
 
@@ -35003,6 +35744,13 @@
   <p:clrMapOvr>
     <a:masterClrMapping/>
   </p:clrMapOvr>
+  <p:timing>
+    <p:tnLst>
+      <p:par>
+        <p:cTn id="1" dur="indefinite" restart="never" nodeType="tmRoot"/>
+      </p:par>
+    </p:tnLst>
+  </p:timing>
 </p:sld>
 </file>
 
@@ -35544,6 +36292,13 @@
   <p:clrMapOvr>
     <a:masterClrMapping/>
   </p:clrMapOvr>
+  <p:timing>
+    <p:tnLst>
+      <p:par>
+        <p:cTn id="1" dur="indefinite" restart="never" nodeType="tmRoot"/>
+      </p:par>
+    </p:tnLst>
+  </p:timing>
 </p:sld>
 </file>
 
@@ -36541,6 +37296,13 @@
   <p:clrMapOvr>
     <a:masterClrMapping/>
   </p:clrMapOvr>
+  <p:timing>
+    <p:tnLst>
+      <p:par>
+        <p:cTn id="1" dur="indefinite" restart="never" nodeType="tmRoot"/>
+      </p:par>
+    </p:tnLst>
+  </p:timing>
 </p:sld>
 </file>
 
@@ -36969,6 +37731,13 @@
   <p:clrMapOvr>
     <a:masterClrMapping/>
   </p:clrMapOvr>
+  <p:timing>
+    <p:tnLst>
+      <p:par>
+        <p:cTn id="1" dur="indefinite" restart="never" nodeType="tmRoot"/>
+      </p:par>
+    </p:tnLst>
+  </p:timing>
 </p:sld>
 </file>
 
@@ -37918,6 +38687,13 @@
   <p:clrMapOvr>
     <a:masterClrMapping/>
   </p:clrMapOvr>
+  <p:timing>
+    <p:tnLst>
+      <p:par>
+        <p:cTn id="1" dur="indefinite" restart="never" nodeType="tmRoot"/>
+      </p:par>
+    </p:tnLst>
+  </p:timing>
 </p:sld>
 </file>
 
@@ -38165,6 +38941,13 @@
   <p:clrMapOvr>
     <a:masterClrMapping/>
   </p:clrMapOvr>
+  <p:timing>
+    <p:tnLst>
+      <p:par>
+        <p:cTn id="1" dur="indefinite" restart="never" nodeType="tmRoot"/>
+      </p:par>
+    </p:tnLst>
+  </p:timing>
 </p:sld>
 </file>
 
@@ -38412,6 +39195,13 @@
   <p:clrMapOvr>
     <a:masterClrMapping/>
   </p:clrMapOvr>
+  <p:timing>
+    <p:tnLst>
+      <p:par>
+        <p:cTn id="1" dur="indefinite" restart="never" nodeType="tmRoot"/>
+      </p:par>
+    </p:tnLst>
+  </p:timing>
 </p:sld>
 </file>
 
@@ -38617,6 +39407,13 @@
   <p:clrMapOvr>
     <a:masterClrMapping/>
   </p:clrMapOvr>
+  <p:timing>
+    <p:tnLst>
+      <p:par>
+        <p:cTn id="1" dur="indefinite" restart="never" nodeType="tmRoot"/>
+      </p:par>
+    </p:tnLst>
+  </p:timing>
 </p:sld>
 </file>
 
@@ -38753,7 +39550,7 @@
                             </p:stCondLst>
                             <p:childTnLst>
                               <p:par>
-                                <p:cTn id="5" presetID="1" presetClass="entr" presetSubtype="0" fill="hold" nodeType="clickEffect">
+                                <p:cTn id="5" presetID="23" presetClass="entr" presetSubtype="16" fill="hold" nodeType="clickEffect">
                                   <p:stCondLst>
                                     <p:cond delay="0"/>
                                   </p:stCondLst>
@@ -38776,6 +39573,52 @@
                                         <p:strVal val="visible"/>
                                       </p:to>
                                     </p:set>
+                                    <p:anim calcmode="lin" valueType="num">
+                                      <p:cBhvr additive="base">
+                                        <p:cTn id="7" dur="500"/>
+                                        <p:tgtEl>
+                                          <p:spTgt spid="216"/>
+                                        </p:tgtEl>
+                                        <p:attrNameLst>
+                                          <p:attrName>ppt_w</p:attrName>
+                                        </p:attrNameLst>
+                                      </p:cBhvr>
+                                      <p:tavLst>
+                                        <p:tav tm="0">
+                                          <p:val>
+                                            <p:strVal val="0"/>
+                                          </p:val>
+                                        </p:tav>
+                                        <p:tav tm="100000">
+                                          <p:val>
+                                            <p:strVal val="#ppt_w"/>
+                                          </p:val>
+                                        </p:tav>
+                                      </p:tavLst>
+                                    </p:anim>
+                                    <p:anim calcmode="lin" valueType="num">
+                                      <p:cBhvr additive="base">
+                                        <p:cTn id="8" dur="500"/>
+                                        <p:tgtEl>
+                                          <p:spTgt spid="216"/>
+                                        </p:tgtEl>
+                                        <p:attrNameLst>
+                                          <p:attrName>ppt_h</p:attrName>
+                                        </p:attrNameLst>
+                                      </p:cBhvr>
+                                      <p:tavLst>
+                                        <p:tav tm="0">
+                                          <p:val>
+                                            <p:strVal val="0"/>
+                                          </p:val>
+                                        </p:tav>
+                                        <p:tav tm="100000">
+                                          <p:val>
+                                            <p:strVal val="#ppt_h"/>
+                                          </p:val>
+                                        </p:tav>
+                                      </p:tavLst>
+                                    </p:anim>
                                   </p:childTnLst>
                                 </p:cTn>
                               </p:par>
@@ -39281,6 +40124,13 @@
   <p:clrMapOvr>
     <a:masterClrMapping/>
   </p:clrMapOvr>
+  <p:timing>
+    <p:tnLst>
+      <p:par>
+        <p:cTn id="1" dur="indefinite" restart="never" nodeType="tmRoot"/>
+      </p:par>
+    </p:tnLst>
+  </p:timing>
 </p:sld>
 </file>
 
@@ -39787,7 +40637,7 @@
                             </p:stCondLst>
                             <p:childTnLst>
                               <p:par>
-                                <p:cTn id="5" presetID="1" presetClass="entr" presetSubtype="0" fill="hold" nodeType="clickEffect">
+                                <p:cTn id="5" presetID="23" presetClass="entr" presetSubtype="16" fill="hold" nodeType="clickEffect">
                                   <p:stCondLst>
                                     <p:cond delay="0"/>
                                   </p:stCondLst>
@@ -39810,18 +40660,64 @@
                                         <p:strVal val="visible"/>
                                       </p:to>
                                     </p:set>
+                                    <p:anim calcmode="lin" valueType="num">
+                                      <p:cBhvr additive="base">
+                                        <p:cTn id="7" dur="500"/>
+                                        <p:tgtEl>
+                                          <p:spTgt spid="232"/>
+                                        </p:tgtEl>
+                                        <p:attrNameLst>
+                                          <p:attrName>ppt_w</p:attrName>
+                                        </p:attrNameLst>
+                                      </p:cBhvr>
+                                      <p:tavLst>
+                                        <p:tav tm="0">
+                                          <p:val>
+                                            <p:strVal val="0"/>
+                                          </p:val>
+                                        </p:tav>
+                                        <p:tav tm="100000">
+                                          <p:val>
+                                            <p:strVal val="#ppt_w"/>
+                                          </p:val>
+                                        </p:tav>
+                                      </p:tavLst>
+                                    </p:anim>
+                                    <p:anim calcmode="lin" valueType="num">
+                                      <p:cBhvr additive="base">
+                                        <p:cTn id="8" dur="500"/>
+                                        <p:tgtEl>
+                                          <p:spTgt spid="232"/>
+                                        </p:tgtEl>
+                                        <p:attrNameLst>
+                                          <p:attrName>ppt_h</p:attrName>
+                                        </p:attrNameLst>
+                                      </p:cBhvr>
+                                      <p:tavLst>
+                                        <p:tav tm="0">
+                                          <p:val>
+                                            <p:strVal val="0"/>
+                                          </p:val>
+                                        </p:tav>
+                                        <p:tav tm="100000">
+                                          <p:val>
+                                            <p:strVal val="#ppt_h"/>
+                                          </p:val>
+                                        </p:tav>
+                                      </p:tavLst>
+                                    </p:anim>
                                   </p:childTnLst>
                                 </p:cTn>
                               </p:par>
                               <p:par>
-                                <p:cTn id="7" presetID="1" presetClass="entr" presetSubtype="0" fill="hold" nodeType="withEffect">
+                                <p:cTn id="9" presetID="23" presetClass="entr" presetSubtype="16" fill="hold" nodeType="withEffect">
                                   <p:stCondLst>
                                     <p:cond delay="0"/>
                                   </p:stCondLst>
                                   <p:childTnLst>
                                     <p:set>
                                       <p:cBhvr>
-                                        <p:cTn id="8" dur="1" fill="hold">
+                                        <p:cTn id="10" dur="1" fill="hold">
                                           <p:stCondLst>
                                             <p:cond delay="0"/>
                                           </p:stCondLst>
@@ -39837,18 +40733,64 @@
                                         <p:strVal val="visible"/>
                                       </p:to>
                                     </p:set>
+                                    <p:anim calcmode="lin" valueType="num">
+                                      <p:cBhvr additive="base">
+                                        <p:cTn id="11" dur="500"/>
+                                        <p:tgtEl>
+                                          <p:spTgt spid="233"/>
+                                        </p:tgtEl>
+                                        <p:attrNameLst>
+                                          <p:attrName>ppt_w</p:attrName>
+                                        </p:attrNameLst>
+                                      </p:cBhvr>
+                                      <p:tavLst>
+                                        <p:tav tm="0">
+                                          <p:val>
+                                            <p:strVal val="0"/>
+                                          </p:val>
+                                        </p:tav>
+                                        <p:tav tm="100000">
+                                          <p:val>
+                                            <p:strVal val="#ppt_w"/>
+                                          </p:val>
+                                        </p:tav>
+                                      </p:tavLst>
+                                    </p:anim>
+                                    <p:anim calcmode="lin" valueType="num">
+                                      <p:cBhvr additive="base">
+                                        <p:cTn id="12" dur="500"/>
+                                        <p:tgtEl>
+                                          <p:spTgt spid="233"/>
+                                        </p:tgtEl>
+                                        <p:attrNameLst>
+                                          <p:attrName>ppt_h</p:attrName>
+                                        </p:attrNameLst>
+                                      </p:cBhvr>
+                                      <p:tavLst>
+                                        <p:tav tm="0">
+                                          <p:val>
+                                            <p:strVal val="0"/>
+                                          </p:val>
+                                        </p:tav>
+                                        <p:tav tm="100000">
+                                          <p:val>
+                                            <p:strVal val="#ppt_h"/>
+                                          </p:val>
+                                        </p:tav>
+                                      </p:tavLst>
+                                    </p:anim>
                                   </p:childTnLst>
                                 </p:cTn>
                               </p:par>
                               <p:par>
-                                <p:cTn id="9" presetID="1" presetClass="entr" presetSubtype="0" fill="hold" nodeType="withEffect">
+                                <p:cTn id="13" presetID="23" presetClass="entr" presetSubtype="16" fill="hold" nodeType="withEffect">
                                   <p:stCondLst>
                                     <p:cond delay="0"/>
                                   </p:stCondLst>
                                   <p:childTnLst>
                                     <p:set>
                                       <p:cBhvr>
-                                        <p:cTn id="10" dur="1" fill="hold">
+                                        <p:cTn id="14" dur="1" fill="hold">
                                           <p:stCondLst>
                                             <p:cond delay="0"/>
                                           </p:stCondLst>
@@ -39864,18 +40806,64 @@
                                         <p:strVal val="visible"/>
                                       </p:to>
                                     </p:set>
+                                    <p:anim calcmode="lin" valueType="num">
+                                      <p:cBhvr additive="base">
+                                        <p:cTn id="15" dur="500"/>
+                                        <p:tgtEl>
+                                          <p:spTgt spid="234"/>
+                                        </p:tgtEl>
+                                        <p:attrNameLst>
+                                          <p:attrName>ppt_w</p:attrName>
+                                        </p:attrNameLst>
+                                      </p:cBhvr>
+                                      <p:tavLst>
+                                        <p:tav tm="0">
+                                          <p:val>
+                                            <p:strVal val="0"/>
+                                          </p:val>
+                                        </p:tav>
+                                        <p:tav tm="100000">
+                                          <p:val>
+                                            <p:strVal val="#ppt_w"/>
+                                          </p:val>
+                                        </p:tav>
+                                      </p:tavLst>
+                                    </p:anim>
+                                    <p:anim calcmode="lin" valueType="num">
+                                      <p:cBhvr additive="base">
+                                        <p:cTn id="16" dur="500"/>
+                                        <p:tgtEl>
+                                          <p:spTgt spid="234"/>
+                                        </p:tgtEl>
+                                        <p:attrNameLst>
+                                          <p:attrName>ppt_h</p:attrName>
+                                        </p:attrNameLst>
+                                      </p:cBhvr>
+                                      <p:tavLst>
+                                        <p:tav tm="0">
+                                          <p:val>
+                                            <p:strVal val="0"/>
+                                          </p:val>
+                                        </p:tav>
+                                        <p:tav tm="100000">
+                                          <p:val>
+                                            <p:strVal val="#ppt_h"/>
+                                          </p:val>
+                                        </p:tav>
+                                      </p:tavLst>
+                                    </p:anim>
                                   </p:childTnLst>
                                 </p:cTn>
                               </p:par>
                               <p:par>
-                                <p:cTn id="11" presetID="1" presetClass="entr" presetSubtype="0" fill="hold" nodeType="withEffect">
+                                <p:cTn id="17" presetID="23" presetClass="entr" presetSubtype="16" fill="hold" nodeType="withEffect">
                                   <p:stCondLst>
                                     <p:cond delay="0"/>
                                   </p:stCondLst>
                                   <p:childTnLst>
                                     <p:set>
                                       <p:cBhvr>
-                                        <p:cTn id="12" dur="1" fill="hold">
+                                        <p:cTn id="18" dur="1" fill="hold">
                                           <p:stCondLst>
                                             <p:cond delay="0"/>
                                           </p:stCondLst>
@@ -39891,6 +40879,52 @@
                                         <p:strVal val="visible"/>
                                       </p:to>
                                     </p:set>
+                                    <p:anim calcmode="lin" valueType="num">
+                                      <p:cBhvr additive="base">
+                                        <p:cTn id="19" dur="500"/>
+                                        <p:tgtEl>
+                                          <p:spTgt spid="235"/>
+                                        </p:tgtEl>
+                                        <p:attrNameLst>
+                                          <p:attrName>ppt_w</p:attrName>
+                                        </p:attrNameLst>
+                                      </p:cBhvr>
+                                      <p:tavLst>
+                                        <p:tav tm="0">
+                                          <p:val>
+                                            <p:strVal val="0"/>
+                                          </p:val>
+                                        </p:tav>
+                                        <p:tav tm="100000">
+                                          <p:val>
+                                            <p:strVal val="#ppt_w"/>
+                                          </p:val>
+                                        </p:tav>
+                                      </p:tavLst>
+                                    </p:anim>
+                                    <p:anim calcmode="lin" valueType="num">
+                                      <p:cBhvr additive="base">
+                                        <p:cTn id="20" dur="500"/>
+                                        <p:tgtEl>
+                                          <p:spTgt spid="235"/>
+                                        </p:tgtEl>
+                                        <p:attrNameLst>
+                                          <p:attrName>ppt_h</p:attrName>
+                                        </p:attrNameLst>
+                                      </p:cBhvr>
+                                      <p:tavLst>
+                                        <p:tav tm="0">
+                                          <p:val>
+                                            <p:strVal val="0"/>
+                                          </p:val>
+                                        </p:tav>
+                                        <p:tav tm="100000">
+                                          <p:val>
+                                            <p:strVal val="#ppt_h"/>
+                                          </p:val>
+                                        </p:tav>
+                                      </p:tavLst>
+                                    </p:anim>
                                   </p:childTnLst>
                                 </p:cTn>
                               </p:par>
@@ -40214,7 +41248,7 @@
                             </p:stCondLst>
                             <p:childTnLst>
                               <p:par>
-                                <p:cTn id="5" presetID="1" presetClass="entr" presetSubtype="0" fill="hold" nodeType="clickEffect">
+                                <p:cTn id="5" presetID="23" presetClass="entr" presetSubtype="16" fill="hold" nodeType="clickEffect">
                                   <p:stCondLst>
                                     <p:cond delay="0"/>
                                   </p:stCondLst>
@@ -40237,6 +41271,52 @@
                                         <p:strVal val="visible"/>
                                       </p:to>
                                     </p:set>
+                                    <p:anim calcmode="lin" valueType="num">
+                                      <p:cBhvr additive="base">
+                                        <p:cTn id="7" dur="500"/>
+                                        <p:tgtEl>
+                                          <p:spTgt spid="241"/>
+                                        </p:tgtEl>
+                                        <p:attrNameLst>
+                                          <p:attrName>ppt_w</p:attrName>
+                                        </p:attrNameLst>
+                                      </p:cBhvr>
+                                      <p:tavLst>
+                                        <p:tav tm="0">
+                                          <p:val>
+                                            <p:strVal val="0"/>
+                                          </p:val>
+                                        </p:tav>
+                                        <p:tav tm="100000">
+                                          <p:val>
+                                            <p:strVal val="#ppt_w"/>
+                                          </p:val>
+                                        </p:tav>
+                                      </p:tavLst>
+                                    </p:anim>
+                                    <p:anim calcmode="lin" valueType="num">
+                                      <p:cBhvr additive="base">
+                                        <p:cTn id="8" dur="500"/>
+                                        <p:tgtEl>
+                                          <p:spTgt spid="241"/>
+                                        </p:tgtEl>
+                                        <p:attrNameLst>
+                                          <p:attrName>ppt_h</p:attrName>
+                                        </p:attrNameLst>
+                                      </p:cBhvr>
+                                      <p:tavLst>
+                                        <p:tav tm="0">
+                                          <p:val>
+                                            <p:strVal val="0"/>
+                                          </p:val>
+                                        </p:tav>
+                                        <p:tav tm="100000">
+                                          <p:val>
+                                            <p:strVal val="#ppt_h"/>
+                                          </p:val>
+                                        </p:tav>
+                                      </p:tavLst>
+                                    </p:anim>
                                   </p:childTnLst>
                                 </p:cTn>
                               </p:par>
@@ -40915,6 +41995,13 @@
   <p:clrMapOvr>
     <a:masterClrMapping/>
   </p:clrMapOvr>
+  <p:timing>
+    <p:tnLst>
+      <p:par>
+        <p:cTn id="1" dur="indefinite" restart="never" nodeType="tmRoot"/>
+      </p:par>
+    </p:tnLst>
+  </p:timing>
 </p:sld>
 </file>
 
@@ -41031,6 +42118,13 @@
   <p:clrMapOvr>
     <a:masterClrMapping/>
   </p:clrMapOvr>
+  <p:timing>
+    <p:tnLst>
+      <p:par>
+        <p:cTn id="1" dur="indefinite" restart="never" nodeType="tmRoot"/>
+      </p:par>
+    </p:tnLst>
+  </p:timing>
 </p:sld>
 </file>
 
@@ -41636,7 +42730,7 @@
                             </p:stCondLst>
                             <p:childTnLst>
                               <p:par>
-                                <p:cTn id="5" presetID="1" presetClass="entr" presetSubtype="0" fill="hold" nodeType="clickEffect">
+                                <p:cTn id="5" presetID="23" presetClass="entr" presetSubtype="16" fill="hold" nodeType="clickEffect">
                                   <p:stCondLst>
                                     <p:cond delay="0"/>
                                   </p:stCondLst>
@@ -41659,6 +42753,52 @@
                                         <p:strVal val="visible"/>
                                       </p:to>
                                     </p:set>
+                                    <p:anim calcmode="lin" valueType="num">
+                                      <p:cBhvr additive="base">
+                                        <p:cTn id="7" dur="500"/>
+                                        <p:tgtEl>
+                                          <p:spTgt spid="264"/>
+                                        </p:tgtEl>
+                                        <p:attrNameLst>
+                                          <p:attrName>ppt_w</p:attrName>
+                                        </p:attrNameLst>
+                                      </p:cBhvr>
+                                      <p:tavLst>
+                                        <p:tav tm="0">
+                                          <p:val>
+                                            <p:strVal val="0"/>
+                                          </p:val>
+                                        </p:tav>
+                                        <p:tav tm="100000">
+                                          <p:val>
+                                            <p:strVal val="#ppt_w"/>
+                                          </p:val>
+                                        </p:tav>
+                                      </p:tavLst>
+                                    </p:anim>
+                                    <p:anim calcmode="lin" valueType="num">
+                                      <p:cBhvr additive="base">
+                                        <p:cTn id="8" dur="500"/>
+                                        <p:tgtEl>
+                                          <p:spTgt spid="264"/>
+                                        </p:tgtEl>
+                                        <p:attrNameLst>
+                                          <p:attrName>ppt_h</p:attrName>
+                                        </p:attrNameLst>
+                                      </p:cBhvr>
+                                      <p:tavLst>
+                                        <p:tav tm="0">
+                                          <p:val>
+                                            <p:strVal val="0"/>
+                                          </p:val>
+                                        </p:tav>
+                                        <p:tav tm="100000">
+                                          <p:val>
+                                            <p:strVal val="#ppt_h"/>
+                                          </p:val>
+                                        </p:tav>
+                                      </p:tavLst>
+                                    </p:anim>
                                   </p:childTnLst>
                                 </p:cTn>
                               </p:par>
